--- a/figs/figures.pptx
+++ b/figs/figures.pptx
@@ -6,6 +6,8 @@
   </p:sldMasterIdLst>
   <p:sldIdLst>
     <p:sldId id="256" r:id="rId2"/>
+    <p:sldId id="257" r:id="rId3"/>
+    <p:sldId id="258" r:id="rId4"/>
   </p:sldIdLst>
   <p:sldSz cx="9144000" cy="6858000" type="screen4x3"/>
   <p:notesSz cx="6858000" cy="9144000"/>
@@ -3725,6 +3727,1030 @@
 </p:sld>
 </file>
 
+<file path=ppt/slides/slide2.xml><?xml version="1.0" encoding="utf-8"?>
+<p:sld xmlns:a="http://schemas.openxmlformats.org/drawingml/2006/main" xmlns:r="http://schemas.openxmlformats.org/officeDocument/2006/relationships" xmlns:p="http://schemas.openxmlformats.org/presentationml/2006/main">
+  <p:cSld>
+    <p:spTree>
+      <p:nvGrpSpPr>
+        <p:cNvPr id="1" name=""/>
+        <p:cNvGrpSpPr/>
+        <p:nvPr/>
+      </p:nvGrpSpPr>
+      <p:grpSpPr>
+        <a:xfrm>
+          <a:off x="0" y="0"/>
+          <a:ext cx="0" cy="0"/>
+          <a:chOff x="0" y="0"/>
+          <a:chExt cx="0" cy="0"/>
+        </a:xfrm>
+      </p:grpSpPr>
+      <p:grpSp>
+        <p:nvGrpSpPr>
+          <p:cNvPr id="18" name="グループ化 17"/>
+          <p:cNvGrpSpPr/>
+          <p:nvPr/>
+        </p:nvGrpSpPr>
+        <p:grpSpPr>
+          <a:xfrm>
+            <a:off x="0" y="492242"/>
+            <a:ext cx="9024491" cy="5887550"/>
+            <a:chOff x="971600" y="1089844"/>
+            <a:chExt cx="7254885" cy="4733065"/>
+          </a:xfrm>
+        </p:grpSpPr>
+        <p:sp>
+          <p:nvSpPr>
+            <p:cNvPr id="2" name="角丸四角形 1"/>
+            <p:cNvSpPr/>
+            <p:nvPr/>
+          </p:nvSpPr>
+          <p:spPr>
+            <a:xfrm>
+              <a:off x="1907704" y="2060848"/>
+              <a:ext cx="5472608" cy="1872208"/>
+            </a:xfrm>
+            <a:prstGeom prst="roundRect">
+              <a:avLst/>
+            </a:prstGeom>
+          </p:spPr>
+          <p:style>
+            <a:lnRef idx="1">
+              <a:schemeClr val="accent3"/>
+            </a:lnRef>
+            <a:fillRef idx="2">
+              <a:schemeClr val="accent3"/>
+            </a:fillRef>
+            <a:effectRef idx="1">
+              <a:schemeClr val="accent3"/>
+            </a:effectRef>
+            <a:fontRef idx="minor">
+              <a:schemeClr val="dk1"/>
+            </a:fontRef>
+          </p:style>
+          <p:txBody>
+            <a:bodyPr rtlCol="0" anchor="ctr"/>
+            <a:lstStyle/>
+            <a:p>
+              <a:pPr algn="ctr"/>
+              <a:endParaRPr kumimoji="1" lang="ja-JP" altLang="en-US" dirty="0"/>
+            </a:p>
+          </p:txBody>
+        </p:sp>
+        <p:pic>
+          <p:nvPicPr>
+            <p:cNvPr id="1028" name="Picture 4" descr="http://sozaishu.up.seesaa.net/image/34920A5DEA5A4A5AFA1BFMike.gif"/>
+            <p:cNvPicPr>
+              <a:picLocks noChangeAspect="1" noChangeArrowheads="1"/>
+            </p:cNvPicPr>
+            <p:nvPr/>
+          </p:nvPicPr>
+          <p:blipFill>
+            <a:blip r:embed="rId2" cstate="print">
+              <a:extLst>
+                <a:ext uri="{28A0092B-C50C-407E-A947-70E740481C1C}">
+                  <a14:useLocalDpi xmlns:a14="http://schemas.microsoft.com/office/drawing/2010/main" val="0"/>
+                </a:ext>
+              </a:extLst>
+            </a:blip>
+            <a:srcRect/>
+            <a:stretch>
+              <a:fillRect/>
+            </a:stretch>
+          </p:blipFill>
+          <p:spPr bwMode="auto">
+            <a:xfrm>
+              <a:off x="3218532" y="2093690"/>
+              <a:ext cx="758809" cy="874119"/>
+            </a:xfrm>
+            <a:prstGeom prst="rect">
+              <a:avLst/>
+            </a:prstGeom>
+            <a:noFill/>
+            <a:extLst>
+              <a:ext uri="{909E8E84-426E-40DD-AFC4-6F175D3DCCD1}">
+                <a14:hiddenFill xmlns:a14="http://schemas.microsoft.com/office/drawing/2010/main">
+                  <a:solidFill>
+                    <a:srgbClr val="FFFFFF"/>
+                  </a:solidFill>
+                </a14:hiddenFill>
+              </a:ext>
+            </a:extLst>
+          </p:spPr>
+        </p:pic>
+        <p:pic>
+          <p:nvPicPr>
+            <p:cNvPr id="5" name="Picture 4" descr="http://sozaishu.up.seesaa.net/image/34920A5DEA5A4A5AFA1BFMike.gif"/>
+            <p:cNvPicPr>
+              <a:picLocks noChangeAspect="1" noChangeArrowheads="1"/>
+            </p:cNvPicPr>
+            <p:nvPr/>
+          </p:nvPicPr>
+          <p:blipFill>
+            <a:blip r:embed="rId2" cstate="print">
+              <a:extLst>
+                <a:ext uri="{28A0092B-C50C-407E-A947-70E740481C1C}">
+                  <a14:useLocalDpi xmlns:a14="http://schemas.microsoft.com/office/drawing/2010/main" val="0"/>
+                </a:ext>
+              </a:extLst>
+            </a:blip>
+            <a:srcRect/>
+            <a:stretch>
+              <a:fillRect/>
+            </a:stretch>
+          </p:blipFill>
+          <p:spPr bwMode="auto">
+            <a:xfrm>
+              <a:off x="5508104" y="2060848"/>
+              <a:ext cx="758809" cy="874119"/>
+            </a:xfrm>
+            <a:prstGeom prst="rect">
+              <a:avLst/>
+            </a:prstGeom>
+            <a:noFill/>
+            <a:scene3d>
+              <a:camera prst="orthographicFront">
+                <a:rot lat="0" lon="10800000" rev="0"/>
+              </a:camera>
+              <a:lightRig rig="threePt" dir="t"/>
+            </a:scene3d>
+            <a:extLst>
+              <a:ext uri="{909E8E84-426E-40DD-AFC4-6F175D3DCCD1}">
+                <a14:hiddenFill xmlns:a14="http://schemas.microsoft.com/office/drawing/2010/main">
+                  <a:solidFill>
+                    <a:srgbClr val="FFFFFF"/>
+                  </a:solidFill>
+                </a14:hiddenFill>
+              </a:ext>
+            </a:extLst>
+          </p:spPr>
+        </p:pic>
+        <p:sp>
+          <p:nvSpPr>
+            <p:cNvPr id="3" name="正方形/長方形 2"/>
+            <p:cNvSpPr/>
+            <p:nvPr/>
+          </p:nvSpPr>
+          <p:spPr>
+            <a:xfrm>
+              <a:off x="2047040" y="2368874"/>
+              <a:ext cx="1012792" cy="576064"/>
+            </a:xfrm>
+            <a:prstGeom prst="rect">
+              <a:avLst/>
+            </a:prstGeom>
+          </p:spPr>
+          <p:style>
+            <a:lnRef idx="1">
+              <a:schemeClr val="accent1"/>
+            </a:lnRef>
+            <a:fillRef idx="2">
+              <a:schemeClr val="accent1"/>
+            </a:fillRef>
+            <a:effectRef idx="1">
+              <a:schemeClr val="accent1"/>
+            </a:effectRef>
+            <a:fontRef idx="minor">
+              <a:schemeClr val="dk1"/>
+            </a:fontRef>
+          </p:style>
+          <p:txBody>
+            <a:bodyPr rtlCol="0" anchor="ctr"/>
+            <a:lstStyle/>
+            <a:p>
+              <a:pPr algn="ctr"/>
+              <a:r>
+                <a:rPr kumimoji="1" lang="en-US" altLang="ja-JP" sz="2400" dirty="0" smtClean="0">
+                  <a:latin typeface="+mj-lt"/>
+                </a:rPr>
+                <a:t>Audio</a:t>
+              </a:r>
+            </a:p>
+            <a:p>
+              <a:pPr algn="ctr"/>
+              <a:r>
+                <a:rPr kumimoji="1" lang="en-US" altLang="ja-JP" sz="2400" dirty="0" smtClean="0">
+                  <a:latin typeface="+mj-lt"/>
+                </a:rPr>
+                <a:t>Mixer</a:t>
+              </a:r>
+              <a:endParaRPr kumimoji="1" lang="ja-JP" altLang="en-US" sz="2400" dirty="0">
+                <a:latin typeface="+mj-lt"/>
+              </a:endParaRPr>
+            </a:p>
+          </p:txBody>
+        </p:sp>
+        <p:sp>
+          <p:nvSpPr>
+            <p:cNvPr id="4" name="テキスト ボックス 3"/>
+            <p:cNvSpPr txBox="1"/>
+            <p:nvPr/>
+          </p:nvSpPr>
+          <p:spPr>
+            <a:xfrm>
+              <a:off x="3327804" y="2926640"/>
+              <a:ext cx="701296" cy="371137"/>
+            </a:xfrm>
+            <a:prstGeom prst="rect">
+              <a:avLst/>
+            </a:prstGeom>
+            <a:noFill/>
+          </p:spPr>
+          <p:txBody>
+            <a:bodyPr wrap="none" rtlCol="0">
+              <a:spAutoFit/>
+            </a:bodyPr>
+            <a:lstStyle/>
+            <a:p>
+              <a:r>
+                <a:rPr kumimoji="1" lang="en-US" altLang="ja-JP" sz="2400" dirty="0" err="1" smtClean="0"/>
+                <a:t>Mic</a:t>
+              </a:r>
+              <a:r>
+                <a:rPr kumimoji="1" lang="en-US" altLang="ja-JP" sz="2400" dirty="0" smtClean="0"/>
+                <a:t> 1</a:t>
+              </a:r>
+              <a:endParaRPr kumimoji="1" lang="ja-JP" altLang="en-US" sz="2400" dirty="0"/>
+            </a:p>
+          </p:txBody>
+        </p:sp>
+        <p:sp>
+          <p:nvSpPr>
+            <p:cNvPr id="6" name="テキスト ボックス 5"/>
+            <p:cNvSpPr txBox="1"/>
+            <p:nvPr/>
+          </p:nvSpPr>
+          <p:spPr>
+            <a:xfrm>
+              <a:off x="5508104" y="2926640"/>
+              <a:ext cx="701296" cy="371137"/>
+            </a:xfrm>
+            <a:prstGeom prst="rect">
+              <a:avLst/>
+            </a:prstGeom>
+            <a:noFill/>
+          </p:spPr>
+          <p:txBody>
+            <a:bodyPr wrap="none" rtlCol="0">
+              <a:spAutoFit/>
+            </a:bodyPr>
+            <a:lstStyle/>
+            <a:p>
+              <a:r>
+                <a:rPr kumimoji="1" lang="en-US" altLang="ja-JP" sz="2400" dirty="0" err="1" smtClean="0"/>
+                <a:t>Mic</a:t>
+              </a:r>
+              <a:r>
+                <a:rPr kumimoji="1" lang="en-US" altLang="ja-JP" sz="2400" dirty="0" smtClean="0"/>
+                <a:t> 2</a:t>
+              </a:r>
+              <a:endParaRPr kumimoji="1" lang="ja-JP" altLang="en-US" sz="2400" dirty="0"/>
+            </a:p>
+          </p:txBody>
+        </p:sp>
+        <p:pic>
+          <p:nvPicPr>
+            <p:cNvPr id="1030" name="Picture 6" descr="http://www.clipartpal.com/_thumbs/pd/VCR_icon_blue.png"/>
+            <p:cNvPicPr>
+              <a:picLocks noChangeAspect="1" noChangeArrowheads="1"/>
+            </p:cNvPicPr>
+            <p:nvPr/>
+          </p:nvPicPr>
+          <p:blipFill>
+            <a:blip r:embed="rId3" cstate="print">
+              <a:extLst>
+                <a:ext uri="{28A0092B-C50C-407E-A947-70E740481C1C}">
+                  <a14:useLocalDpi xmlns:a14="http://schemas.microsoft.com/office/drawing/2010/main" val="0"/>
+                </a:ext>
+              </a:extLst>
+            </a:blip>
+            <a:srcRect/>
+            <a:stretch>
+              <a:fillRect/>
+            </a:stretch>
+          </p:blipFill>
+          <p:spPr bwMode="auto">
+            <a:xfrm rot="17092955">
+              <a:off x="3009077" y="4479309"/>
+              <a:ext cx="1080120" cy="536411"/>
+            </a:xfrm>
+            <a:prstGeom prst="rect">
+              <a:avLst/>
+            </a:prstGeom>
+            <a:noFill/>
+            <a:extLst>
+              <a:ext uri="{909E8E84-426E-40DD-AFC4-6F175D3DCCD1}">
+                <a14:hiddenFill xmlns:a14="http://schemas.microsoft.com/office/drawing/2010/main">
+                  <a:solidFill>
+                    <a:srgbClr val="FFFFFF"/>
+                  </a:solidFill>
+                </a14:hiddenFill>
+              </a:ext>
+            </a:extLst>
+          </p:spPr>
+        </p:pic>
+        <p:pic>
+          <p:nvPicPr>
+            <p:cNvPr id="11" name="Picture 6" descr="http://www.clipartpal.com/_thumbs/pd/VCR_icon_blue.png"/>
+            <p:cNvPicPr>
+              <a:picLocks noChangeAspect="1" noChangeArrowheads="1"/>
+            </p:cNvPicPr>
+            <p:nvPr/>
+          </p:nvPicPr>
+          <p:blipFill>
+            <a:blip r:embed="rId3" cstate="print">
+              <a:extLst>
+                <a:ext uri="{28A0092B-C50C-407E-A947-70E740481C1C}">
+                  <a14:useLocalDpi xmlns:a14="http://schemas.microsoft.com/office/drawing/2010/main" val="0"/>
+                </a:ext>
+              </a:extLst>
+            </a:blip>
+            <a:srcRect/>
+            <a:stretch>
+              <a:fillRect/>
+            </a:stretch>
+          </p:blipFill>
+          <p:spPr bwMode="auto">
+            <a:xfrm rot="15179193">
+              <a:off x="5431373" y="4479309"/>
+              <a:ext cx="1080120" cy="536411"/>
+            </a:xfrm>
+            <a:prstGeom prst="rect">
+              <a:avLst/>
+            </a:prstGeom>
+            <a:noFill/>
+            <a:extLst>
+              <a:ext uri="{909E8E84-426E-40DD-AFC4-6F175D3DCCD1}">
+                <a14:hiddenFill xmlns:a14="http://schemas.microsoft.com/office/drawing/2010/main">
+                  <a:solidFill>
+                    <a:srgbClr val="FFFFFF"/>
+                  </a:solidFill>
+                </a14:hiddenFill>
+              </a:ext>
+            </a:extLst>
+          </p:spPr>
+        </p:pic>
+        <p:sp>
+          <p:nvSpPr>
+            <p:cNvPr id="7" name="円/楕円 6"/>
+            <p:cNvSpPr/>
+            <p:nvPr/>
+          </p:nvSpPr>
+          <p:spPr>
+            <a:xfrm>
+              <a:off x="3256528" y="1124744"/>
+              <a:ext cx="792088" cy="792088"/>
+            </a:xfrm>
+            <a:prstGeom prst="ellipse">
+              <a:avLst/>
+            </a:prstGeom>
+          </p:spPr>
+          <p:style>
+            <a:lnRef idx="1">
+              <a:schemeClr val="accent6"/>
+            </a:lnRef>
+            <a:fillRef idx="2">
+              <a:schemeClr val="accent6"/>
+            </a:fillRef>
+            <a:effectRef idx="1">
+              <a:schemeClr val="accent6"/>
+            </a:effectRef>
+            <a:fontRef idx="minor">
+              <a:schemeClr val="dk1"/>
+            </a:fontRef>
+          </p:style>
+          <p:txBody>
+            <a:bodyPr rtlCol="0" anchor="ctr"/>
+            <a:lstStyle/>
+            <a:p>
+              <a:pPr algn="ctr"/>
+              <a:endParaRPr kumimoji="1" lang="ja-JP" altLang="en-US"/>
+            </a:p>
+          </p:txBody>
+        </p:sp>
+        <p:sp>
+          <p:nvSpPr>
+            <p:cNvPr id="13" name="円/楕円 12"/>
+            <p:cNvSpPr/>
+            <p:nvPr/>
+          </p:nvSpPr>
+          <p:spPr>
+            <a:xfrm>
+              <a:off x="5463278" y="1089844"/>
+              <a:ext cx="792088" cy="792088"/>
+            </a:xfrm>
+            <a:prstGeom prst="ellipse">
+              <a:avLst/>
+            </a:prstGeom>
+          </p:spPr>
+          <p:style>
+            <a:lnRef idx="1">
+              <a:schemeClr val="accent6"/>
+            </a:lnRef>
+            <a:fillRef idx="2">
+              <a:schemeClr val="accent6"/>
+            </a:fillRef>
+            <a:effectRef idx="1">
+              <a:schemeClr val="accent6"/>
+            </a:effectRef>
+            <a:fontRef idx="minor">
+              <a:schemeClr val="dk1"/>
+            </a:fontRef>
+          </p:style>
+          <p:txBody>
+            <a:bodyPr rtlCol="0" anchor="ctr"/>
+            <a:lstStyle/>
+            <a:p>
+              <a:pPr algn="ctr"/>
+              <a:endParaRPr kumimoji="1" lang="ja-JP" altLang="en-US"/>
+            </a:p>
+          </p:txBody>
+        </p:sp>
+        <p:sp>
+          <p:nvSpPr>
+            <p:cNvPr id="14" name="正方形/長方形 13"/>
+            <p:cNvSpPr/>
+            <p:nvPr/>
+          </p:nvSpPr>
+          <p:spPr>
+            <a:xfrm>
+              <a:off x="2047040" y="3111306"/>
+              <a:ext cx="1012792" cy="576064"/>
+            </a:xfrm>
+            <a:prstGeom prst="rect">
+              <a:avLst/>
+            </a:prstGeom>
+          </p:spPr>
+          <p:style>
+            <a:lnRef idx="1">
+              <a:schemeClr val="accent1"/>
+            </a:lnRef>
+            <a:fillRef idx="2">
+              <a:schemeClr val="accent1"/>
+            </a:fillRef>
+            <a:effectRef idx="1">
+              <a:schemeClr val="accent1"/>
+            </a:effectRef>
+            <a:fontRef idx="minor">
+              <a:schemeClr val="dk1"/>
+            </a:fontRef>
+          </p:style>
+          <p:txBody>
+            <a:bodyPr rtlCol="0" anchor="ctr"/>
+            <a:lstStyle/>
+            <a:p>
+              <a:pPr algn="ctr"/>
+              <a:r>
+                <a:rPr kumimoji="1" lang="en-US" altLang="ja-JP" sz="2400" dirty="0" smtClean="0">
+                  <a:latin typeface="+mj-lt"/>
+                </a:rPr>
+                <a:t>Video</a:t>
+              </a:r>
+            </a:p>
+            <a:p>
+              <a:pPr algn="ctr"/>
+              <a:r>
+                <a:rPr lang="en-US" altLang="ja-JP" sz="2400" dirty="0" smtClean="0">
+                  <a:latin typeface="+mj-lt"/>
+                </a:rPr>
+                <a:t>Switcher</a:t>
+              </a:r>
+              <a:endParaRPr kumimoji="1" lang="ja-JP" altLang="en-US" sz="2400" dirty="0">
+                <a:latin typeface="+mj-lt"/>
+              </a:endParaRPr>
+            </a:p>
+          </p:txBody>
+        </p:sp>
+        <p:grpSp>
+          <p:nvGrpSpPr>
+            <p:cNvPr id="17" name="グループ化 16"/>
+            <p:cNvGrpSpPr/>
+            <p:nvPr/>
+          </p:nvGrpSpPr>
+          <p:grpSpPr>
+            <a:xfrm rot="1943326">
+              <a:off x="1153840" y="4380764"/>
+              <a:ext cx="1008112" cy="600821"/>
+              <a:chOff x="683568" y="4437112"/>
+              <a:chExt cx="1512168" cy="901232"/>
+            </a:xfrm>
+          </p:grpSpPr>
+          <p:sp>
+            <p:nvSpPr>
+              <p:cNvPr id="8" name="正方形/長方形 7"/>
+              <p:cNvSpPr/>
+              <p:nvPr/>
+            </p:nvSpPr>
+            <p:spPr>
+              <a:xfrm>
+                <a:off x="683568" y="4437112"/>
+                <a:ext cx="1512168" cy="901232"/>
+              </a:xfrm>
+              <a:prstGeom prst="rect">
+                <a:avLst/>
+              </a:prstGeom>
+            </p:spPr>
+            <p:style>
+              <a:lnRef idx="2">
+                <a:schemeClr val="accent5"/>
+              </a:lnRef>
+              <a:fillRef idx="1">
+                <a:schemeClr val="lt1"/>
+              </a:fillRef>
+              <a:effectRef idx="0">
+                <a:schemeClr val="accent5"/>
+              </a:effectRef>
+              <a:fontRef idx="minor">
+                <a:schemeClr val="dk1"/>
+              </a:fontRef>
+            </p:style>
+            <p:txBody>
+              <a:bodyPr rtlCol="0" anchor="ctr"/>
+              <a:lstStyle/>
+              <a:p>
+                <a:pPr algn="ctr"/>
+                <a:endParaRPr kumimoji="1" lang="ja-JP" altLang="en-US"/>
+              </a:p>
+            </p:txBody>
+          </p:sp>
+          <p:cxnSp>
+            <p:nvCxnSpPr>
+              <p:cNvPr id="12" name="直線コネクタ 11"/>
+              <p:cNvCxnSpPr>
+                <a:endCxn id="8" idx="2"/>
+              </p:cNvCxnSpPr>
+              <p:nvPr/>
+            </p:nvCxnSpPr>
+            <p:spPr>
+              <a:xfrm flipH="1">
+                <a:off x="1439652" y="4437112"/>
+                <a:ext cx="756084" cy="901232"/>
+              </a:xfrm>
+              <a:prstGeom prst="line">
+                <a:avLst/>
+              </a:prstGeom>
+              <a:ln/>
+            </p:spPr>
+            <p:style>
+              <a:lnRef idx="2">
+                <a:schemeClr val="accent5"/>
+              </a:lnRef>
+              <a:fillRef idx="0">
+                <a:schemeClr val="accent5"/>
+              </a:fillRef>
+              <a:effectRef idx="1">
+                <a:schemeClr val="accent5"/>
+              </a:effectRef>
+              <a:fontRef idx="minor">
+                <a:schemeClr val="tx1"/>
+              </a:fontRef>
+            </p:style>
+          </p:cxnSp>
+          <p:cxnSp>
+            <p:nvCxnSpPr>
+              <p:cNvPr id="16" name="直線コネクタ 15"/>
+              <p:cNvCxnSpPr>
+                <a:stCxn id="8" idx="2"/>
+              </p:cNvCxnSpPr>
+              <p:nvPr/>
+            </p:nvCxnSpPr>
+            <p:spPr>
+              <a:xfrm flipH="1" flipV="1">
+                <a:off x="683568" y="4437112"/>
+                <a:ext cx="756084" cy="901232"/>
+              </a:xfrm>
+              <a:prstGeom prst="line">
+                <a:avLst/>
+              </a:prstGeom>
+              <a:ln/>
+            </p:spPr>
+            <p:style>
+              <a:lnRef idx="2">
+                <a:schemeClr val="accent5"/>
+              </a:lnRef>
+              <a:fillRef idx="0">
+                <a:schemeClr val="accent5"/>
+              </a:fillRef>
+              <a:effectRef idx="1">
+                <a:schemeClr val="accent5"/>
+              </a:effectRef>
+              <a:fontRef idx="minor">
+                <a:schemeClr val="tx1"/>
+              </a:fontRef>
+            </p:style>
+          </p:cxnSp>
+        </p:grpSp>
+        <p:grpSp>
+          <p:nvGrpSpPr>
+            <p:cNvPr id="21" name="グループ化 20"/>
+            <p:cNvGrpSpPr/>
+            <p:nvPr/>
+          </p:nvGrpSpPr>
+          <p:grpSpPr>
+            <a:xfrm rot="19573850">
+              <a:off x="7170804" y="4309334"/>
+              <a:ext cx="1008112" cy="600821"/>
+              <a:chOff x="683568" y="4437112"/>
+              <a:chExt cx="1512168" cy="901232"/>
+            </a:xfrm>
+          </p:grpSpPr>
+          <p:sp>
+            <p:nvSpPr>
+              <p:cNvPr id="22" name="正方形/長方形 21"/>
+              <p:cNvSpPr/>
+              <p:nvPr/>
+            </p:nvSpPr>
+            <p:spPr>
+              <a:xfrm>
+                <a:off x="683568" y="4437112"/>
+                <a:ext cx="1512168" cy="901232"/>
+              </a:xfrm>
+              <a:prstGeom prst="rect">
+                <a:avLst/>
+              </a:prstGeom>
+            </p:spPr>
+            <p:style>
+              <a:lnRef idx="2">
+                <a:schemeClr val="accent5"/>
+              </a:lnRef>
+              <a:fillRef idx="1">
+                <a:schemeClr val="lt1"/>
+              </a:fillRef>
+              <a:effectRef idx="0">
+                <a:schemeClr val="accent5"/>
+              </a:effectRef>
+              <a:fontRef idx="minor">
+                <a:schemeClr val="dk1"/>
+              </a:fontRef>
+            </p:style>
+            <p:txBody>
+              <a:bodyPr rtlCol="0" anchor="ctr"/>
+              <a:lstStyle/>
+              <a:p>
+                <a:pPr algn="ctr"/>
+                <a:endParaRPr kumimoji="1" lang="ja-JP" altLang="en-US"/>
+              </a:p>
+            </p:txBody>
+          </p:sp>
+          <p:cxnSp>
+            <p:nvCxnSpPr>
+              <p:cNvPr id="23" name="直線コネクタ 22"/>
+              <p:cNvCxnSpPr>
+                <a:endCxn id="22" idx="2"/>
+              </p:cNvCxnSpPr>
+              <p:nvPr/>
+            </p:nvCxnSpPr>
+            <p:spPr>
+              <a:xfrm flipH="1">
+                <a:off x="1439652" y="4437112"/>
+                <a:ext cx="756084" cy="901232"/>
+              </a:xfrm>
+              <a:prstGeom prst="line">
+                <a:avLst/>
+              </a:prstGeom>
+              <a:ln/>
+            </p:spPr>
+            <p:style>
+              <a:lnRef idx="2">
+                <a:schemeClr val="accent5"/>
+              </a:lnRef>
+              <a:fillRef idx="0">
+                <a:schemeClr val="accent5"/>
+              </a:fillRef>
+              <a:effectRef idx="1">
+                <a:schemeClr val="accent5"/>
+              </a:effectRef>
+              <a:fontRef idx="minor">
+                <a:schemeClr val="tx1"/>
+              </a:fontRef>
+            </p:style>
+          </p:cxnSp>
+          <p:cxnSp>
+            <p:nvCxnSpPr>
+              <p:cNvPr id="24" name="直線コネクタ 23"/>
+              <p:cNvCxnSpPr>
+                <a:stCxn id="22" idx="2"/>
+              </p:cNvCxnSpPr>
+              <p:nvPr/>
+            </p:nvCxnSpPr>
+            <p:spPr>
+              <a:xfrm flipH="1" flipV="1">
+                <a:off x="683568" y="4437112"/>
+                <a:ext cx="756084" cy="901232"/>
+              </a:xfrm>
+              <a:prstGeom prst="line">
+                <a:avLst/>
+              </a:prstGeom>
+              <a:ln/>
+            </p:spPr>
+            <p:style>
+              <a:lnRef idx="2">
+                <a:schemeClr val="accent5"/>
+              </a:lnRef>
+              <a:fillRef idx="0">
+                <a:schemeClr val="accent5"/>
+              </a:fillRef>
+              <a:effectRef idx="1">
+                <a:schemeClr val="accent5"/>
+              </a:effectRef>
+              <a:fontRef idx="minor">
+                <a:schemeClr val="tx1"/>
+              </a:fontRef>
+            </p:style>
+          </p:cxnSp>
+        </p:grpSp>
+        <p:sp>
+          <p:nvSpPr>
+            <p:cNvPr id="25" name="テキスト ボックス 24"/>
+            <p:cNvSpPr txBox="1"/>
+            <p:nvPr/>
+          </p:nvSpPr>
+          <p:spPr>
+            <a:xfrm>
+              <a:off x="3131840" y="5445224"/>
+              <a:ext cx="776038" cy="371137"/>
+            </a:xfrm>
+            <a:prstGeom prst="rect">
+              <a:avLst/>
+            </a:prstGeom>
+            <a:noFill/>
+          </p:spPr>
+          <p:txBody>
+            <a:bodyPr wrap="none" rtlCol="0">
+              <a:spAutoFit/>
+            </a:bodyPr>
+            <a:lstStyle/>
+            <a:p>
+              <a:r>
+                <a:rPr lang="en-US" altLang="ja-JP" sz="2400" dirty="0" smtClean="0"/>
+                <a:t>Cam </a:t>
+              </a:r>
+              <a:r>
+                <a:rPr kumimoji="1" lang="en-US" altLang="ja-JP" sz="2400" dirty="0" smtClean="0"/>
+                <a:t>1</a:t>
+              </a:r>
+              <a:endParaRPr kumimoji="1" lang="ja-JP" altLang="en-US" sz="2400" dirty="0"/>
+            </a:p>
+          </p:txBody>
+        </p:sp>
+        <p:sp>
+          <p:nvSpPr>
+            <p:cNvPr id="26" name="テキスト ボックス 25"/>
+            <p:cNvSpPr txBox="1"/>
+            <p:nvPr/>
+          </p:nvSpPr>
+          <p:spPr>
+            <a:xfrm>
+              <a:off x="5682601" y="5451772"/>
+              <a:ext cx="776038" cy="371137"/>
+            </a:xfrm>
+            <a:prstGeom prst="rect">
+              <a:avLst/>
+            </a:prstGeom>
+            <a:noFill/>
+          </p:spPr>
+          <p:txBody>
+            <a:bodyPr wrap="none" rtlCol="0">
+              <a:spAutoFit/>
+            </a:bodyPr>
+            <a:lstStyle/>
+            <a:p>
+              <a:r>
+                <a:rPr lang="en-US" altLang="ja-JP" sz="2400" dirty="0" smtClean="0"/>
+                <a:t>Cam 2</a:t>
+              </a:r>
+              <a:endParaRPr kumimoji="1" lang="ja-JP" altLang="en-US" sz="2400" dirty="0"/>
+            </a:p>
+          </p:txBody>
+        </p:sp>
+        <p:sp>
+          <p:nvSpPr>
+            <p:cNvPr id="27" name="テキスト ボックス 26"/>
+            <p:cNvSpPr txBox="1"/>
+            <p:nvPr/>
+          </p:nvSpPr>
+          <p:spPr>
+            <a:xfrm>
+              <a:off x="971600" y="5157750"/>
+              <a:ext cx="816245" cy="371137"/>
+            </a:xfrm>
+            <a:prstGeom prst="rect">
+              <a:avLst/>
+            </a:prstGeom>
+            <a:noFill/>
+          </p:spPr>
+          <p:txBody>
+            <a:bodyPr wrap="none" rtlCol="0">
+              <a:spAutoFit/>
+            </a:bodyPr>
+            <a:lstStyle/>
+            <a:p>
+              <a:r>
+                <a:rPr kumimoji="1" lang="en-US" altLang="ja-JP" sz="2400" dirty="0" smtClean="0"/>
+                <a:t>Light 1</a:t>
+              </a:r>
+              <a:endParaRPr kumimoji="1" lang="ja-JP" altLang="en-US" sz="2400" dirty="0"/>
+            </a:p>
+          </p:txBody>
+        </p:sp>
+        <p:sp>
+          <p:nvSpPr>
+            <p:cNvPr id="28" name="テキスト ボックス 27"/>
+            <p:cNvSpPr txBox="1"/>
+            <p:nvPr/>
+          </p:nvSpPr>
+          <p:spPr>
+            <a:xfrm>
+              <a:off x="7410240" y="5157750"/>
+              <a:ext cx="816245" cy="371137"/>
+            </a:xfrm>
+            <a:prstGeom prst="rect">
+              <a:avLst/>
+            </a:prstGeom>
+            <a:noFill/>
+          </p:spPr>
+          <p:txBody>
+            <a:bodyPr wrap="none" rtlCol="0">
+              <a:spAutoFit/>
+            </a:bodyPr>
+            <a:lstStyle/>
+            <a:p>
+              <a:r>
+                <a:rPr kumimoji="1" lang="en-US" altLang="ja-JP" sz="2400" dirty="0" smtClean="0"/>
+                <a:t>Light 2</a:t>
+              </a:r>
+              <a:endParaRPr kumimoji="1" lang="ja-JP" altLang="en-US" sz="2400" dirty="0"/>
+            </a:p>
+          </p:txBody>
+        </p:sp>
+      </p:grpSp>
+      <p:sp>
+        <p:nvSpPr>
+          <p:cNvPr id="19" name="角丸四角形 18"/>
+          <p:cNvSpPr/>
+          <p:nvPr/>
+        </p:nvSpPr>
+        <p:spPr>
+          <a:xfrm>
+            <a:off x="3738899" y="3573016"/>
+            <a:ext cx="829280" cy="360040"/>
+          </a:xfrm>
+          <a:prstGeom prst="roundRect">
+            <a:avLst/>
+          </a:prstGeom>
+        </p:spPr>
+        <p:style>
+          <a:lnRef idx="1">
+            <a:schemeClr val="accent4"/>
+          </a:lnRef>
+          <a:fillRef idx="2">
+            <a:schemeClr val="accent4"/>
+          </a:fillRef>
+          <a:effectRef idx="1">
+            <a:schemeClr val="accent4"/>
+          </a:effectRef>
+          <a:fontRef idx="minor">
+            <a:schemeClr val="dk1"/>
+          </a:fontRef>
+        </p:style>
+        <p:txBody>
+          <a:bodyPr rtlCol="0" anchor="ctr"/>
+          <a:lstStyle/>
+          <a:p>
+            <a:pPr algn="ctr"/>
+            <a:r>
+              <a:rPr kumimoji="1" lang="en-US" altLang="ja-JP" dirty="0" smtClean="0"/>
+              <a:t>Mon 1</a:t>
+            </a:r>
+            <a:endParaRPr kumimoji="1" lang="ja-JP" altLang="en-US" dirty="0"/>
+          </a:p>
+        </p:txBody>
+      </p:sp>
+      <p:sp>
+        <p:nvSpPr>
+          <p:cNvPr id="31" name="角丸四角形 30"/>
+          <p:cNvSpPr/>
+          <p:nvPr/>
+        </p:nvSpPr>
+        <p:spPr>
+          <a:xfrm>
+            <a:off x="4644008" y="3573016"/>
+            <a:ext cx="829280" cy="360040"/>
+          </a:xfrm>
+          <a:prstGeom prst="roundRect">
+            <a:avLst/>
+          </a:prstGeom>
+        </p:spPr>
+        <p:style>
+          <a:lnRef idx="1">
+            <a:schemeClr val="accent4"/>
+          </a:lnRef>
+          <a:fillRef idx="2">
+            <a:schemeClr val="accent4"/>
+          </a:fillRef>
+          <a:effectRef idx="1">
+            <a:schemeClr val="accent4"/>
+          </a:effectRef>
+          <a:fontRef idx="minor">
+            <a:schemeClr val="dk1"/>
+          </a:fontRef>
+        </p:style>
+        <p:txBody>
+          <a:bodyPr rtlCol="0" anchor="ctr"/>
+          <a:lstStyle/>
+          <a:p>
+            <a:pPr algn="ctr"/>
+            <a:r>
+              <a:rPr kumimoji="1" lang="en-US" altLang="ja-JP" dirty="0" smtClean="0"/>
+              <a:t>Mon 2</a:t>
+            </a:r>
+            <a:endParaRPr kumimoji="1" lang="ja-JP" altLang="en-US" dirty="0"/>
+          </a:p>
+        </p:txBody>
+      </p:sp>
+    </p:spTree>
+    <p:extLst>
+      <p:ext uri="{BB962C8B-B14F-4D97-AF65-F5344CB8AC3E}">
+        <p14:creationId xmlns:p14="http://schemas.microsoft.com/office/powerpoint/2010/main" val="4205610589"/>
+      </p:ext>
+    </p:extLst>
+  </p:cSld>
+  <p:clrMapOvr>
+    <a:masterClrMapping/>
+  </p:clrMapOvr>
+</p:sld>
+</file>
+
+<file path=ppt/slides/slide3.xml><?xml version="1.0" encoding="utf-8"?>
+<p:sld xmlns:a="http://schemas.openxmlformats.org/drawingml/2006/main" xmlns:r="http://schemas.openxmlformats.org/officeDocument/2006/relationships" xmlns:p="http://schemas.openxmlformats.org/presentationml/2006/main">
+  <p:cSld>
+    <p:spTree>
+      <p:nvGrpSpPr>
+        <p:cNvPr id="1" name=""/>
+        <p:cNvGrpSpPr/>
+        <p:nvPr/>
+      </p:nvGrpSpPr>
+      <p:grpSpPr>
+        <a:xfrm>
+          <a:off x="0" y="0"/>
+          <a:ext cx="0" cy="0"/>
+          <a:chOff x="0" y="0"/>
+          <a:chExt cx="0" cy="0"/>
+        </a:xfrm>
+      </p:grpSpPr>
+      <p:pic>
+        <p:nvPicPr>
+          <p:cNvPr id="2" name="Picture 2" descr="http://www.ryuzee.com/contents/blog/wp-content/uploads/2012/03/th_scrum5.jpg"/>
+          <p:cNvPicPr>
+            <a:picLocks noChangeAspect="1" noChangeArrowheads="1"/>
+          </p:cNvPicPr>
+          <p:nvPr/>
+        </p:nvPicPr>
+        <p:blipFill>
+          <a:blip r:embed="rId2">
+            <a:extLst>
+              <a:ext uri="{28A0092B-C50C-407E-A947-70E740481C1C}">
+                <a14:useLocalDpi xmlns:a14="http://schemas.microsoft.com/office/drawing/2010/main" val="0"/>
+              </a:ext>
+            </a:extLst>
+          </a:blip>
+          <a:srcRect/>
+          <a:stretch>
+            <a:fillRect/>
+          </a:stretch>
+        </p:blipFill>
+        <p:spPr bwMode="auto">
+          <a:xfrm>
+            <a:off x="0" y="-9376"/>
+            <a:ext cx="9144000" cy="6858000"/>
+          </a:xfrm>
+          <a:prstGeom prst="rect">
+            <a:avLst/>
+          </a:prstGeom>
+          <a:noFill/>
+          <a:extLst>
+            <a:ext uri="{909E8E84-426E-40DD-AFC4-6F175D3DCCD1}">
+              <a14:hiddenFill xmlns:a14="http://schemas.microsoft.com/office/drawing/2010/main">
+                <a:solidFill>
+                  <a:srgbClr val="FFFFFF"/>
+                </a:solidFill>
+              </a14:hiddenFill>
+            </a:ext>
+          </a:extLst>
+        </p:spPr>
+      </p:pic>
+    </p:spTree>
+    <p:extLst>
+      <p:ext uri="{BB962C8B-B14F-4D97-AF65-F5344CB8AC3E}">
+        <p14:creationId xmlns:p14="http://schemas.microsoft.com/office/powerpoint/2010/main" val="2677357711"/>
+      </p:ext>
+    </p:extLst>
+  </p:cSld>
+  <p:clrMapOvr>
+    <a:masterClrMapping/>
+  </p:clrMapOvr>
+</p:sld>
+</file>
+
 <file path=ppt/theme/theme1.xml><?xml version="1.0" encoding="utf-8"?>
 <a:theme xmlns:a="http://schemas.openxmlformats.org/drawingml/2006/main" name="Office テーマ">
   <a:themeElements>

--- a/figs/figures.pptx
+++ b/figs/figures.pptx
@@ -8,6 +8,7 @@
     <p:sldId id="256" r:id="rId2"/>
     <p:sldId id="257" r:id="rId3"/>
     <p:sldId id="258" r:id="rId4"/>
+    <p:sldId id="259" r:id="rId5"/>
   </p:sldIdLst>
   <p:sldSz cx="9144000" cy="6858000" type="screen4x3"/>
   <p:notesSz cx="6858000" cy="9144000"/>
@@ -290,7 +291,7 @@
           <a:p>
             <a:fld id="{E90ED720-0104-4369-84BC-D37694168613}" type="datetimeFigureOut">
               <a:rPr kumimoji="1" lang="ja-JP" altLang="en-US" smtClean="0"/>
-              <a:t>2012/10/24</a:t>
+              <a:t>2012/10/30</a:t>
             </a:fld>
             <a:endParaRPr kumimoji="1" lang="ja-JP" altLang="en-US"/>
           </a:p>
@@ -487,7 +488,7 @@
           <a:p>
             <a:fld id="{E90ED720-0104-4369-84BC-D37694168613}" type="datetimeFigureOut">
               <a:rPr kumimoji="1" lang="ja-JP" altLang="en-US" smtClean="0"/>
-              <a:t>2012/10/24</a:t>
+              <a:t>2012/10/30</a:t>
             </a:fld>
             <a:endParaRPr kumimoji="1" lang="ja-JP" altLang="en-US"/>
           </a:p>
@@ -694,7 +695,7 @@
           <a:p>
             <a:fld id="{E90ED720-0104-4369-84BC-D37694168613}" type="datetimeFigureOut">
               <a:rPr kumimoji="1" lang="ja-JP" altLang="en-US" smtClean="0"/>
-              <a:t>2012/10/24</a:t>
+              <a:t>2012/10/30</a:t>
             </a:fld>
             <a:endParaRPr kumimoji="1" lang="ja-JP" altLang="en-US"/>
           </a:p>
@@ -891,7 +892,7 @@
           <a:p>
             <a:fld id="{E90ED720-0104-4369-84BC-D37694168613}" type="datetimeFigureOut">
               <a:rPr kumimoji="1" lang="ja-JP" altLang="en-US" smtClean="0"/>
-              <a:t>2012/10/24</a:t>
+              <a:t>2012/10/30</a:t>
             </a:fld>
             <a:endParaRPr kumimoji="1" lang="ja-JP" altLang="en-US"/>
           </a:p>
@@ -1132,7 +1133,7 @@
           <a:p>
             <a:fld id="{E90ED720-0104-4369-84BC-D37694168613}" type="datetimeFigureOut">
               <a:rPr kumimoji="1" lang="ja-JP" altLang="en-US" smtClean="0"/>
-              <a:t>2012/10/24</a:t>
+              <a:t>2012/10/30</a:t>
             </a:fld>
             <a:endParaRPr kumimoji="1" lang="ja-JP" altLang="en-US"/>
           </a:p>
@@ -1479,7 +1480,7 @@
           <a:p>
             <a:fld id="{E90ED720-0104-4369-84BC-D37694168613}" type="datetimeFigureOut">
               <a:rPr kumimoji="1" lang="ja-JP" altLang="en-US" smtClean="0"/>
-              <a:t>2012/10/24</a:t>
+              <a:t>2012/10/30</a:t>
             </a:fld>
             <a:endParaRPr kumimoji="1" lang="ja-JP" altLang="en-US"/>
           </a:p>
@@ -1960,7 +1961,7 @@
           <a:p>
             <a:fld id="{E90ED720-0104-4369-84BC-D37694168613}" type="datetimeFigureOut">
               <a:rPr kumimoji="1" lang="ja-JP" altLang="en-US" smtClean="0"/>
-              <a:t>2012/10/24</a:t>
+              <a:t>2012/10/30</a:t>
             </a:fld>
             <a:endParaRPr kumimoji="1" lang="ja-JP" altLang="en-US"/>
           </a:p>
@@ -2073,7 +2074,7 @@
           <a:p>
             <a:fld id="{E90ED720-0104-4369-84BC-D37694168613}" type="datetimeFigureOut">
               <a:rPr kumimoji="1" lang="ja-JP" altLang="en-US" smtClean="0"/>
-              <a:t>2012/10/24</a:t>
+              <a:t>2012/10/30</a:t>
             </a:fld>
             <a:endParaRPr kumimoji="1" lang="ja-JP" altLang="en-US"/>
           </a:p>
@@ -2163,7 +2164,7 @@
           <a:p>
             <a:fld id="{E90ED720-0104-4369-84BC-D37694168613}" type="datetimeFigureOut">
               <a:rPr kumimoji="1" lang="ja-JP" altLang="en-US" smtClean="0"/>
-              <a:t>2012/10/24</a:t>
+              <a:t>2012/10/30</a:t>
             </a:fld>
             <a:endParaRPr kumimoji="1" lang="ja-JP" altLang="en-US"/>
           </a:p>
@@ -2467,7 +2468,7 @@
           <a:p>
             <a:fld id="{E90ED720-0104-4369-84BC-D37694168613}" type="datetimeFigureOut">
               <a:rPr kumimoji="1" lang="ja-JP" altLang="en-US" smtClean="0"/>
-              <a:t>2012/10/24</a:t>
+              <a:t>2012/10/30</a:t>
             </a:fld>
             <a:endParaRPr kumimoji="1" lang="ja-JP" altLang="en-US"/>
           </a:p>
@@ -2715,7 +2716,7 @@
           <a:p>
             <a:fld id="{E90ED720-0104-4369-84BC-D37694168613}" type="datetimeFigureOut">
               <a:rPr kumimoji="1" lang="ja-JP" altLang="en-US" smtClean="0"/>
-              <a:t>2012/10/24</a:t>
+              <a:t>2012/10/30</a:t>
             </a:fld>
             <a:endParaRPr kumimoji="1" lang="ja-JP" altLang="en-US"/>
           </a:p>
@@ -2955,7 +2956,7 @@
           <a:p>
             <a:fld id="{E90ED720-0104-4369-84BC-D37694168613}" type="datetimeFigureOut">
               <a:rPr kumimoji="1" lang="ja-JP" altLang="en-US" smtClean="0"/>
-              <a:t>2012/10/24</a:t>
+              <a:t>2012/10/30</a:t>
             </a:fld>
             <a:endParaRPr kumimoji="1" lang="ja-JP" altLang="en-US"/>
           </a:p>
@@ -4751,6 +4752,854 @@
 </p:sld>
 </file>
 
+<file path=ppt/slides/slide4.xml><?xml version="1.0" encoding="utf-8"?>
+<p:sld xmlns:a="http://schemas.openxmlformats.org/drawingml/2006/main" xmlns:r="http://schemas.openxmlformats.org/officeDocument/2006/relationships" xmlns:p="http://schemas.openxmlformats.org/presentationml/2006/main">
+  <p:cSld>
+    <p:spTree>
+      <p:nvGrpSpPr>
+        <p:cNvPr id="1" name=""/>
+        <p:cNvGrpSpPr/>
+        <p:nvPr/>
+      </p:nvGrpSpPr>
+      <p:grpSpPr>
+        <a:xfrm>
+          <a:off x="0" y="0"/>
+          <a:ext cx="0" cy="0"/>
+          <a:chOff x="0" y="0"/>
+          <a:chExt cx="0" cy="0"/>
+        </a:xfrm>
+      </p:grpSpPr>
+      <p:sp>
+        <p:nvSpPr>
+          <p:cNvPr id="5" name="正方形/長方形 4"/>
+          <p:cNvSpPr/>
+          <p:nvPr/>
+        </p:nvSpPr>
+        <p:spPr>
+          <a:xfrm>
+            <a:off x="107505" y="3789040"/>
+            <a:ext cx="9000998" cy="2700300"/>
+          </a:xfrm>
+          <a:prstGeom prst="rect">
+            <a:avLst/>
+          </a:prstGeom>
+        </p:spPr>
+        <p:style>
+          <a:lnRef idx="1">
+            <a:schemeClr val="accent3"/>
+          </a:lnRef>
+          <a:fillRef idx="2">
+            <a:schemeClr val="accent3"/>
+          </a:fillRef>
+          <a:effectRef idx="1">
+            <a:schemeClr val="accent3"/>
+          </a:effectRef>
+          <a:fontRef idx="minor">
+            <a:schemeClr val="dk1"/>
+          </a:fontRef>
+        </p:style>
+        <p:txBody>
+          <a:bodyPr rtlCol="0" anchor="ctr"/>
+          <a:lstStyle/>
+          <a:p>
+            <a:pPr algn="ctr"/>
+            <a:endParaRPr kumimoji="1" lang="ja-JP" altLang="en-US" sz="3600" dirty="0"/>
+          </a:p>
+        </p:txBody>
+      </p:sp>
+      <p:sp>
+        <p:nvSpPr>
+          <p:cNvPr id="6" name="円/楕円 5"/>
+          <p:cNvSpPr/>
+          <p:nvPr/>
+        </p:nvSpPr>
+        <p:spPr>
+          <a:xfrm>
+            <a:off x="3526153" y="4091958"/>
+            <a:ext cx="2336798" cy="2336798"/>
+          </a:xfrm>
+          <a:prstGeom prst="ellipse">
+            <a:avLst/>
+          </a:prstGeom>
+          <a:solidFill>
+            <a:schemeClr val="bg1"/>
+          </a:solidFill>
+        </p:spPr>
+        <p:style>
+          <a:lnRef idx="2">
+            <a:schemeClr val="accent1">
+              <a:shade val="50000"/>
+            </a:schemeClr>
+          </a:lnRef>
+          <a:fillRef idx="1">
+            <a:schemeClr val="accent1"/>
+          </a:fillRef>
+          <a:effectRef idx="0">
+            <a:schemeClr val="accent1"/>
+          </a:effectRef>
+          <a:fontRef idx="minor">
+            <a:schemeClr val="lt1"/>
+          </a:fontRef>
+        </p:style>
+        <p:txBody>
+          <a:bodyPr rtlCol="0" anchor="ctr"/>
+          <a:lstStyle/>
+          <a:p>
+            <a:pPr algn="ctr"/>
+            <a:endParaRPr kumimoji="1" lang="ja-JP" altLang="en-US"/>
+          </a:p>
+        </p:txBody>
+      </p:sp>
+      <p:sp>
+        <p:nvSpPr>
+          <p:cNvPr id="7" name="円/楕円 6"/>
+          <p:cNvSpPr/>
+          <p:nvPr/>
+        </p:nvSpPr>
+        <p:spPr>
+          <a:xfrm>
+            <a:off x="3780759" y="4346564"/>
+            <a:ext cx="1827586" cy="1827586"/>
+          </a:xfrm>
+          <a:prstGeom prst="ellipse">
+            <a:avLst/>
+          </a:prstGeom>
+          <a:ln>
+            <a:solidFill>
+              <a:srgbClr val="0070C0"/>
+            </a:solidFill>
+          </a:ln>
+        </p:spPr>
+        <p:style>
+          <a:lnRef idx="1">
+            <a:schemeClr val="accent3"/>
+          </a:lnRef>
+          <a:fillRef idx="2">
+            <a:schemeClr val="accent3"/>
+          </a:fillRef>
+          <a:effectRef idx="1">
+            <a:schemeClr val="accent3"/>
+          </a:effectRef>
+          <a:fontRef idx="minor">
+            <a:schemeClr val="dk1"/>
+          </a:fontRef>
+        </p:style>
+        <p:txBody>
+          <a:bodyPr rtlCol="0" anchor="ctr"/>
+          <a:lstStyle/>
+          <a:p>
+            <a:pPr algn="ctr"/>
+            <a:endParaRPr kumimoji="1" lang="ja-JP" altLang="en-US"/>
+          </a:p>
+        </p:txBody>
+      </p:sp>
+      <p:sp>
+        <p:nvSpPr>
+          <p:cNvPr id="2" name="角丸四角形 1"/>
+          <p:cNvSpPr/>
+          <p:nvPr/>
+        </p:nvSpPr>
+        <p:spPr>
+          <a:xfrm>
+            <a:off x="2781840" y="4176312"/>
+            <a:ext cx="3825425" cy="675074"/>
+          </a:xfrm>
+          <a:prstGeom prst="roundRect">
+            <a:avLst/>
+          </a:prstGeom>
+        </p:spPr>
+        <p:style>
+          <a:lnRef idx="1">
+            <a:schemeClr val="accent1"/>
+          </a:lnRef>
+          <a:fillRef idx="2">
+            <a:schemeClr val="accent1"/>
+          </a:fillRef>
+          <a:effectRef idx="1">
+            <a:schemeClr val="accent1"/>
+          </a:effectRef>
+          <a:fontRef idx="minor">
+            <a:schemeClr val="dk1"/>
+          </a:fontRef>
+        </p:style>
+        <p:txBody>
+          <a:bodyPr rtlCol="0" anchor="ctr"/>
+          <a:lstStyle/>
+          <a:p>
+            <a:pPr algn="ctr"/>
+            <a:r>
+              <a:rPr kumimoji="1" lang="ja-JP" altLang="en-US" sz="2400" dirty="0" smtClean="0">
+                <a:latin typeface="メイリオ" pitchFamily="50" charset="-128"/>
+                <a:ea typeface="メイリオ" pitchFamily="50" charset="-128"/>
+                <a:cs typeface="メイリオ" pitchFamily="50" charset="-128"/>
+              </a:rPr>
+              <a:t>マーケティング</a:t>
+            </a:r>
+            <a:endParaRPr kumimoji="1" lang="ja-JP" altLang="en-US" sz="2400" dirty="0">
+              <a:latin typeface="メイリオ" pitchFamily="50" charset="-128"/>
+              <a:ea typeface="メイリオ" pitchFamily="50" charset="-128"/>
+              <a:cs typeface="メイリオ" pitchFamily="50" charset="-128"/>
+            </a:endParaRPr>
+          </a:p>
+        </p:txBody>
+      </p:sp>
+      <p:sp>
+        <p:nvSpPr>
+          <p:cNvPr id="3" name="角丸四角形 2"/>
+          <p:cNvSpPr/>
+          <p:nvPr/>
+        </p:nvSpPr>
+        <p:spPr>
+          <a:xfrm>
+            <a:off x="1206286" y="5260357"/>
+            <a:ext cx="3029182" cy="562562"/>
+          </a:xfrm>
+          <a:prstGeom prst="roundRect">
+            <a:avLst/>
+          </a:prstGeom>
+        </p:spPr>
+        <p:style>
+          <a:lnRef idx="1">
+            <a:schemeClr val="accent1"/>
+          </a:lnRef>
+          <a:fillRef idx="2">
+            <a:schemeClr val="accent1"/>
+          </a:fillRef>
+          <a:effectRef idx="1">
+            <a:schemeClr val="accent1"/>
+          </a:effectRef>
+          <a:fontRef idx="minor">
+            <a:schemeClr val="dk1"/>
+          </a:fontRef>
+        </p:style>
+        <p:txBody>
+          <a:bodyPr rtlCol="0" anchor="ctr"/>
+          <a:lstStyle/>
+          <a:p>
+            <a:pPr algn="ctr"/>
+            <a:r>
+              <a:rPr kumimoji="1" lang="ja-JP" altLang="en-US" sz="2400" dirty="0" smtClean="0">
+                <a:latin typeface="メイリオ" pitchFamily="50" charset="-128"/>
+                <a:ea typeface="メイリオ" pitchFamily="50" charset="-128"/>
+                <a:cs typeface="メイリオ" pitchFamily="50" charset="-128"/>
+              </a:rPr>
+              <a:t>デベロップメント</a:t>
+            </a:r>
+            <a:endParaRPr kumimoji="1" lang="ja-JP" altLang="en-US" sz="2400" dirty="0">
+              <a:latin typeface="メイリオ" pitchFamily="50" charset="-128"/>
+              <a:ea typeface="メイリオ" pitchFamily="50" charset="-128"/>
+              <a:cs typeface="メイリオ" pitchFamily="50" charset="-128"/>
+            </a:endParaRPr>
+          </a:p>
+        </p:txBody>
+      </p:sp>
+      <p:sp>
+        <p:nvSpPr>
+          <p:cNvPr id="4" name="角丸四角形 3"/>
+          <p:cNvSpPr/>
+          <p:nvPr/>
+        </p:nvSpPr>
+        <p:spPr>
+          <a:xfrm>
+            <a:off x="5473485" y="5260357"/>
+            <a:ext cx="3375374" cy="562562"/>
+          </a:xfrm>
+          <a:prstGeom prst="roundRect">
+            <a:avLst/>
+          </a:prstGeom>
+        </p:spPr>
+        <p:style>
+          <a:lnRef idx="1">
+            <a:schemeClr val="accent1"/>
+          </a:lnRef>
+          <a:fillRef idx="2">
+            <a:schemeClr val="accent1"/>
+          </a:fillRef>
+          <a:effectRef idx="1">
+            <a:schemeClr val="accent1"/>
+          </a:effectRef>
+          <a:fontRef idx="minor">
+            <a:schemeClr val="dk1"/>
+          </a:fontRef>
+        </p:style>
+        <p:txBody>
+          <a:bodyPr rtlCol="0" anchor="ctr"/>
+          <a:lstStyle/>
+          <a:p>
+            <a:pPr algn="ctr"/>
+            <a:r>
+              <a:rPr kumimoji="1" lang="ja-JP" altLang="en-US" sz="2400" dirty="0" smtClean="0">
+                <a:latin typeface="メイリオ" pitchFamily="50" charset="-128"/>
+                <a:ea typeface="メイリオ" pitchFamily="50" charset="-128"/>
+                <a:cs typeface="メイリオ" pitchFamily="50" charset="-128"/>
+              </a:rPr>
+              <a:t>ファシリテーション</a:t>
+            </a:r>
+            <a:endParaRPr kumimoji="1" lang="ja-JP" altLang="en-US" sz="2400" dirty="0">
+              <a:latin typeface="メイリオ" pitchFamily="50" charset="-128"/>
+              <a:ea typeface="メイリオ" pitchFamily="50" charset="-128"/>
+              <a:cs typeface="メイリオ" pitchFamily="50" charset="-128"/>
+            </a:endParaRPr>
+          </a:p>
+        </p:txBody>
+      </p:sp>
+      <p:sp>
+        <p:nvSpPr>
+          <p:cNvPr id="12" name="雲形吹き出し 11"/>
+          <p:cNvSpPr/>
+          <p:nvPr/>
+        </p:nvSpPr>
+        <p:spPr>
+          <a:xfrm>
+            <a:off x="408928" y="188640"/>
+            <a:ext cx="8424936" cy="3068658"/>
+          </a:xfrm>
+          <a:prstGeom prst="cloudCallout">
+            <a:avLst>
+              <a:gd name="adj1" fmla="val 15676"/>
+              <a:gd name="adj2" fmla="val 91314"/>
+            </a:avLst>
+          </a:prstGeom>
+        </p:spPr>
+        <p:style>
+          <a:lnRef idx="1">
+            <a:schemeClr val="accent2"/>
+          </a:lnRef>
+          <a:fillRef idx="2">
+            <a:schemeClr val="accent2"/>
+          </a:fillRef>
+          <a:effectRef idx="1">
+            <a:schemeClr val="accent2"/>
+          </a:effectRef>
+          <a:fontRef idx="minor">
+            <a:schemeClr val="dk1"/>
+          </a:fontRef>
+        </p:style>
+        <p:txBody>
+          <a:bodyPr rtlCol="0" anchor="ctr"/>
+          <a:lstStyle/>
+          <a:p>
+            <a:pPr algn="ctr"/>
+            <a:endParaRPr kumimoji="1" lang="ja-JP" altLang="en-US"/>
+          </a:p>
+        </p:txBody>
+      </p:sp>
+      <p:sp>
+        <p:nvSpPr>
+          <p:cNvPr id="8" name="円形吹き出し 7"/>
+          <p:cNvSpPr/>
+          <p:nvPr/>
+        </p:nvSpPr>
+        <p:spPr>
+          <a:xfrm>
+            <a:off x="1907704" y="980728"/>
+            <a:ext cx="1368152" cy="720080"/>
+          </a:xfrm>
+          <a:prstGeom prst="wedgeEllipseCallout">
+            <a:avLst>
+              <a:gd name="adj1" fmla="val 31563"/>
+              <a:gd name="adj2" fmla="val 87898"/>
+            </a:avLst>
+          </a:prstGeom>
+        </p:spPr>
+        <p:style>
+          <a:lnRef idx="1">
+            <a:schemeClr val="accent6"/>
+          </a:lnRef>
+          <a:fillRef idx="2">
+            <a:schemeClr val="accent6"/>
+          </a:fillRef>
+          <a:effectRef idx="1">
+            <a:schemeClr val="accent6"/>
+          </a:effectRef>
+          <a:fontRef idx="minor">
+            <a:schemeClr val="dk1"/>
+          </a:fontRef>
+        </p:style>
+        <p:txBody>
+          <a:bodyPr rtlCol="0" anchor="ctr"/>
+          <a:lstStyle/>
+          <a:p>
+            <a:pPr algn="ctr"/>
+            <a:r>
+              <a:rPr kumimoji="1" lang="ja-JP" altLang="en-US" dirty="0" smtClean="0"/>
+              <a:t>顧客</a:t>
+            </a:r>
+            <a:endParaRPr kumimoji="1" lang="ja-JP" altLang="en-US" dirty="0"/>
+          </a:p>
+        </p:txBody>
+      </p:sp>
+      <p:sp>
+        <p:nvSpPr>
+          <p:cNvPr id="9" name="円形吹き出し 8"/>
+          <p:cNvSpPr/>
+          <p:nvPr/>
+        </p:nvSpPr>
+        <p:spPr>
+          <a:xfrm>
+            <a:off x="2709983" y="1791967"/>
+            <a:ext cx="1368152" cy="720080"/>
+          </a:xfrm>
+          <a:prstGeom prst="wedgeEllipseCallout">
+            <a:avLst>
+              <a:gd name="adj1" fmla="val 40677"/>
+              <a:gd name="adj2" fmla="val 78663"/>
+            </a:avLst>
+          </a:prstGeom>
+        </p:spPr>
+        <p:style>
+          <a:lnRef idx="1">
+            <a:schemeClr val="accent6"/>
+          </a:lnRef>
+          <a:fillRef idx="2">
+            <a:schemeClr val="accent6"/>
+          </a:fillRef>
+          <a:effectRef idx="1">
+            <a:schemeClr val="accent6"/>
+          </a:effectRef>
+          <a:fontRef idx="minor">
+            <a:schemeClr val="dk1"/>
+          </a:fontRef>
+        </p:style>
+        <p:txBody>
+          <a:bodyPr rtlCol="0" anchor="ctr"/>
+          <a:lstStyle/>
+          <a:p>
+            <a:pPr algn="ctr"/>
+            <a:r>
+              <a:rPr kumimoji="1" lang="ja-JP" altLang="en-US" dirty="0" smtClean="0"/>
+              <a:t>顧客</a:t>
+            </a:r>
+            <a:endParaRPr kumimoji="1" lang="ja-JP" altLang="en-US" dirty="0"/>
+          </a:p>
+        </p:txBody>
+      </p:sp>
+      <p:sp>
+        <p:nvSpPr>
+          <p:cNvPr id="10" name="円形吹き出し 9"/>
+          <p:cNvSpPr/>
+          <p:nvPr/>
+        </p:nvSpPr>
+        <p:spPr>
+          <a:xfrm>
+            <a:off x="1619672" y="1645568"/>
+            <a:ext cx="1368152" cy="720080"/>
+          </a:xfrm>
+          <a:prstGeom prst="wedgeEllipseCallout">
+            <a:avLst>
+              <a:gd name="adj1" fmla="val 31563"/>
+              <a:gd name="adj2" fmla="val 87898"/>
+            </a:avLst>
+          </a:prstGeom>
+        </p:spPr>
+        <p:style>
+          <a:lnRef idx="1">
+            <a:schemeClr val="accent6"/>
+          </a:lnRef>
+          <a:fillRef idx="2">
+            <a:schemeClr val="accent6"/>
+          </a:fillRef>
+          <a:effectRef idx="1">
+            <a:schemeClr val="accent6"/>
+          </a:effectRef>
+          <a:fontRef idx="minor">
+            <a:schemeClr val="dk1"/>
+          </a:fontRef>
+        </p:style>
+        <p:txBody>
+          <a:bodyPr rtlCol="0" anchor="ctr"/>
+          <a:lstStyle/>
+          <a:p>
+            <a:pPr algn="ctr"/>
+            <a:r>
+              <a:rPr kumimoji="1" lang="ja-JP" altLang="en-US" dirty="0" smtClean="0"/>
+              <a:t>顧客</a:t>
+            </a:r>
+            <a:endParaRPr kumimoji="1" lang="ja-JP" altLang="en-US" dirty="0"/>
+          </a:p>
+        </p:txBody>
+      </p:sp>
+      <p:sp>
+        <p:nvSpPr>
+          <p:cNvPr id="11" name="円形吹き出し 10"/>
+          <p:cNvSpPr/>
+          <p:nvPr/>
+        </p:nvSpPr>
+        <p:spPr>
+          <a:xfrm>
+            <a:off x="3276497" y="1071887"/>
+            <a:ext cx="1368152" cy="720080"/>
+          </a:xfrm>
+          <a:prstGeom prst="wedgeEllipseCallout">
+            <a:avLst>
+              <a:gd name="adj1" fmla="val -639"/>
+              <a:gd name="adj2" fmla="val 91361"/>
+            </a:avLst>
+          </a:prstGeom>
+        </p:spPr>
+        <p:style>
+          <a:lnRef idx="1">
+            <a:schemeClr val="accent6"/>
+          </a:lnRef>
+          <a:fillRef idx="2">
+            <a:schemeClr val="accent6"/>
+          </a:fillRef>
+          <a:effectRef idx="1">
+            <a:schemeClr val="accent6"/>
+          </a:effectRef>
+          <a:fontRef idx="minor">
+            <a:schemeClr val="dk1"/>
+          </a:fontRef>
+        </p:style>
+        <p:txBody>
+          <a:bodyPr rtlCol="0" anchor="ctr"/>
+          <a:lstStyle/>
+          <a:p>
+            <a:pPr algn="ctr"/>
+            <a:r>
+              <a:rPr kumimoji="1" lang="ja-JP" altLang="en-US" dirty="0" smtClean="0"/>
+              <a:t>顧客</a:t>
+            </a:r>
+            <a:endParaRPr kumimoji="1" lang="ja-JP" altLang="en-US" dirty="0"/>
+          </a:p>
+        </p:txBody>
+      </p:sp>
+      <p:sp>
+        <p:nvSpPr>
+          <p:cNvPr id="13" name="円形吹き出し 12"/>
+          <p:cNvSpPr/>
+          <p:nvPr/>
+        </p:nvSpPr>
+        <p:spPr>
+          <a:xfrm>
+            <a:off x="5803540" y="1746888"/>
+            <a:ext cx="1368152" cy="720080"/>
+          </a:xfrm>
+          <a:prstGeom prst="wedgeEllipseCallout">
+            <a:avLst>
+              <a:gd name="adj1" fmla="val 34601"/>
+              <a:gd name="adj2" fmla="val 77508"/>
+            </a:avLst>
+          </a:prstGeom>
+        </p:spPr>
+        <p:style>
+          <a:lnRef idx="1">
+            <a:schemeClr val="accent5"/>
+          </a:lnRef>
+          <a:fillRef idx="2">
+            <a:schemeClr val="accent5"/>
+          </a:fillRef>
+          <a:effectRef idx="1">
+            <a:schemeClr val="accent5"/>
+          </a:effectRef>
+          <a:fontRef idx="minor">
+            <a:schemeClr val="dk1"/>
+          </a:fontRef>
+        </p:style>
+        <p:txBody>
+          <a:bodyPr rtlCol="0" anchor="ctr"/>
+          <a:lstStyle/>
+          <a:p>
+            <a:pPr algn="ctr"/>
+            <a:r>
+              <a:rPr lang="ja-JP" altLang="en-US" dirty="0" smtClean="0"/>
+              <a:t>見込</a:t>
+            </a:r>
+            <a:r>
+              <a:rPr lang="en-US" altLang="ja-JP" dirty="0" smtClean="0"/>
+              <a:t/>
+            </a:r>
+            <a:br>
+              <a:rPr lang="en-US" altLang="ja-JP" dirty="0" smtClean="0"/>
+            </a:br>
+            <a:r>
+              <a:rPr kumimoji="1" lang="ja-JP" altLang="en-US" dirty="0" smtClean="0"/>
+              <a:t>顧客</a:t>
+            </a:r>
+            <a:endParaRPr kumimoji="1" lang="ja-JP" altLang="en-US" dirty="0"/>
+          </a:p>
+        </p:txBody>
+      </p:sp>
+      <p:sp>
+        <p:nvSpPr>
+          <p:cNvPr id="14" name="円形吹き出し 13"/>
+          <p:cNvSpPr/>
+          <p:nvPr/>
+        </p:nvSpPr>
+        <p:spPr>
+          <a:xfrm>
+            <a:off x="5312416" y="1124744"/>
+            <a:ext cx="1368152" cy="720080"/>
+          </a:xfrm>
+          <a:prstGeom prst="wedgeEllipseCallout">
+            <a:avLst>
+              <a:gd name="adj1" fmla="val -59575"/>
+              <a:gd name="adj2" fmla="val -81802"/>
+            </a:avLst>
+          </a:prstGeom>
+        </p:spPr>
+        <p:style>
+          <a:lnRef idx="1">
+            <a:schemeClr val="accent5"/>
+          </a:lnRef>
+          <a:fillRef idx="2">
+            <a:schemeClr val="accent5"/>
+          </a:fillRef>
+          <a:effectRef idx="1">
+            <a:schemeClr val="accent5"/>
+          </a:effectRef>
+          <a:fontRef idx="minor">
+            <a:schemeClr val="dk1"/>
+          </a:fontRef>
+        </p:style>
+        <p:txBody>
+          <a:bodyPr rtlCol="0" anchor="ctr"/>
+          <a:lstStyle/>
+          <a:p>
+            <a:pPr algn="ctr"/>
+            <a:r>
+              <a:rPr lang="ja-JP" altLang="en-US" dirty="0" smtClean="0"/>
+              <a:t>見込</a:t>
+            </a:r>
+            <a:r>
+              <a:rPr lang="en-US" altLang="ja-JP" dirty="0" smtClean="0"/>
+              <a:t/>
+            </a:r>
+            <a:br>
+              <a:rPr lang="en-US" altLang="ja-JP" dirty="0" smtClean="0"/>
+            </a:br>
+            <a:r>
+              <a:rPr kumimoji="1" lang="ja-JP" altLang="en-US" dirty="0" smtClean="0"/>
+              <a:t>顧客</a:t>
+            </a:r>
+            <a:endParaRPr kumimoji="1" lang="ja-JP" altLang="en-US" dirty="0"/>
+          </a:p>
+        </p:txBody>
+      </p:sp>
+      <p:sp>
+        <p:nvSpPr>
+          <p:cNvPr id="15" name="円形吹き出し 14"/>
+          <p:cNvSpPr/>
+          <p:nvPr/>
+        </p:nvSpPr>
+        <p:spPr>
+          <a:xfrm>
+            <a:off x="6271503" y="925488"/>
+            <a:ext cx="1368152" cy="720080"/>
+          </a:xfrm>
+          <a:prstGeom prst="wedgeEllipseCallout">
+            <a:avLst>
+              <a:gd name="adj1" fmla="val 72879"/>
+              <a:gd name="adj2" fmla="val 55574"/>
+            </a:avLst>
+          </a:prstGeom>
+        </p:spPr>
+        <p:style>
+          <a:lnRef idx="1">
+            <a:schemeClr val="accent5"/>
+          </a:lnRef>
+          <a:fillRef idx="2">
+            <a:schemeClr val="accent5"/>
+          </a:fillRef>
+          <a:effectRef idx="1">
+            <a:schemeClr val="accent5"/>
+          </a:effectRef>
+          <a:fontRef idx="minor">
+            <a:schemeClr val="dk1"/>
+          </a:fontRef>
+        </p:style>
+        <p:txBody>
+          <a:bodyPr rtlCol="0" anchor="ctr"/>
+          <a:lstStyle/>
+          <a:p>
+            <a:pPr algn="ctr"/>
+            <a:r>
+              <a:rPr lang="ja-JP" altLang="en-US" dirty="0" smtClean="0"/>
+              <a:t>見込</a:t>
+            </a:r>
+            <a:r>
+              <a:rPr lang="en-US" altLang="ja-JP" dirty="0" smtClean="0"/>
+              <a:t/>
+            </a:r>
+            <a:br>
+              <a:rPr lang="en-US" altLang="ja-JP" dirty="0" smtClean="0"/>
+            </a:br>
+            <a:r>
+              <a:rPr kumimoji="1" lang="ja-JP" altLang="en-US" dirty="0" smtClean="0"/>
+              <a:t>顧客</a:t>
+            </a:r>
+            <a:endParaRPr kumimoji="1" lang="ja-JP" altLang="en-US" dirty="0"/>
+          </a:p>
+        </p:txBody>
+      </p:sp>
+      <p:sp>
+        <p:nvSpPr>
+          <p:cNvPr id="17" name="左カーブ矢印 16"/>
+          <p:cNvSpPr/>
+          <p:nvPr/>
+        </p:nvSpPr>
+        <p:spPr>
+          <a:xfrm>
+            <a:off x="6207930" y="2780928"/>
+            <a:ext cx="889669" cy="1635456"/>
+          </a:xfrm>
+          <a:prstGeom prst="curvedLeftArrow">
+            <a:avLst/>
+          </a:prstGeom>
+        </p:spPr>
+        <p:style>
+          <a:lnRef idx="2">
+            <a:schemeClr val="accent1">
+              <a:shade val="50000"/>
+            </a:schemeClr>
+          </a:lnRef>
+          <a:fillRef idx="1">
+            <a:schemeClr val="accent1"/>
+          </a:fillRef>
+          <a:effectRef idx="0">
+            <a:schemeClr val="accent1"/>
+          </a:effectRef>
+          <a:fontRef idx="minor">
+            <a:schemeClr val="lt1"/>
+          </a:fontRef>
+        </p:style>
+        <p:txBody>
+          <a:bodyPr rtlCol="0" anchor="ctr"/>
+          <a:lstStyle/>
+          <a:p>
+            <a:pPr algn="ctr"/>
+            <a:endParaRPr kumimoji="1" lang="ja-JP" altLang="en-US">
+              <a:solidFill>
+                <a:schemeClr val="tx1"/>
+              </a:solidFill>
+            </a:endParaRPr>
+          </a:p>
+        </p:txBody>
+      </p:sp>
+      <p:sp>
+        <p:nvSpPr>
+          <p:cNvPr id="18" name="左カーブ矢印 17"/>
+          <p:cNvSpPr/>
+          <p:nvPr/>
+        </p:nvSpPr>
+        <p:spPr>
+          <a:xfrm rot="10800000">
+            <a:off x="2674211" y="2657640"/>
+            <a:ext cx="889669" cy="1635456"/>
+          </a:xfrm>
+          <a:prstGeom prst="curvedLeftArrow">
+            <a:avLst/>
+          </a:prstGeom>
+        </p:spPr>
+        <p:style>
+          <a:lnRef idx="2">
+            <a:schemeClr val="accent1">
+              <a:shade val="50000"/>
+            </a:schemeClr>
+          </a:lnRef>
+          <a:fillRef idx="1">
+            <a:schemeClr val="accent1"/>
+          </a:fillRef>
+          <a:effectRef idx="0">
+            <a:schemeClr val="accent1"/>
+          </a:effectRef>
+          <a:fontRef idx="minor">
+            <a:schemeClr val="lt1"/>
+          </a:fontRef>
+        </p:style>
+        <p:txBody>
+          <a:bodyPr rtlCol="0" anchor="ctr"/>
+          <a:lstStyle/>
+          <a:p>
+            <a:pPr algn="ctr"/>
+            <a:endParaRPr kumimoji="1" lang="ja-JP" altLang="en-US">
+              <a:solidFill>
+                <a:schemeClr val="tx1"/>
+              </a:solidFill>
+            </a:endParaRPr>
+          </a:p>
+        </p:txBody>
+      </p:sp>
+      <p:sp>
+        <p:nvSpPr>
+          <p:cNvPr id="19" name="テキスト ボックス 18"/>
+          <p:cNvSpPr txBox="1"/>
+          <p:nvPr/>
+        </p:nvSpPr>
+        <p:spPr>
+          <a:xfrm>
+            <a:off x="621642" y="3257298"/>
+            <a:ext cx="1996059" cy="369332"/>
+          </a:xfrm>
+          <a:prstGeom prst="rect">
+            <a:avLst/>
+          </a:prstGeom>
+          <a:noFill/>
+        </p:spPr>
+        <p:txBody>
+          <a:bodyPr wrap="none" rtlCol="0">
+            <a:spAutoFit/>
+          </a:bodyPr>
+          <a:lstStyle/>
+          <a:p>
+            <a:r>
+              <a:rPr kumimoji="1" lang="ja-JP" altLang="en-US" dirty="0" smtClean="0"/>
+              <a:t>フィード・フォワード</a:t>
+            </a:r>
+            <a:endParaRPr kumimoji="1" lang="ja-JP" altLang="en-US" dirty="0"/>
+          </a:p>
+        </p:txBody>
+      </p:sp>
+      <p:sp>
+        <p:nvSpPr>
+          <p:cNvPr id="20" name="テキスト ボックス 19"/>
+          <p:cNvSpPr txBox="1"/>
+          <p:nvPr/>
+        </p:nvSpPr>
+        <p:spPr>
+          <a:xfrm>
+            <a:off x="7171692" y="3257298"/>
+            <a:ext cx="1608133" cy="369332"/>
+          </a:xfrm>
+          <a:prstGeom prst="rect">
+            <a:avLst/>
+          </a:prstGeom>
+          <a:noFill/>
+        </p:spPr>
+        <p:txBody>
+          <a:bodyPr wrap="none" rtlCol="0">
+            <a:spAutoFit/>
+          </a:bodyPr>
+          <a:lstStyle/>
+          <a:p>
+            <a:r>
+              <a:rPr kumimoji="1" lang="ja-JP" altLang="en-US" dirty="0" smtClean="0"/>
+              <a:t>フィード・バック</a:t>
+            </a:r>
+            <a:endParaRPr kumimoji="1" lang="ja-JP" altLang="en-US" dirty="0"/>
+          </a:p>
+        </p:txBody>
+      </p:sp>
+    </p:spTree>
+    <p:extLst>
+      <p:ext uri="{BB962C8B-B14F-4D97-AF65-F5344CB8AC3E}">
+        <p14:creationId xmlns:p14="http://schemas.microsoft.com/office/powerpoint/2010/main" val="1510673546"/>
+      </p:ext>
+    </p:extLst>
+  </p:cSld>
+  <p:clrMapOvr>
+    <a:masterClrMapping/>
+  </p:clrMapOvr>
+  <p:timing>
+    <p:tnLst>
+      <p:par>
+        <p:cTn id="1" dur="indefinite" restart="never" nodeType="tmRoot"/>
+      </p:par>
+    </p:tnLst>
+  </p:timing>
+</p:sld>
+</file>
+
 <file path=ppt/theme/theme1.xml><?xml version="1.0" encoding="utf-8"?>
 <a:theme xmlns:a="http://schemas.openxmlformats.org/drawingml/2006/main" name="Office テーマ">
   <a:themeElements>
